--- a/Snakemake.pptx
+++ b/Snakemake.pptx
@@ -13301,6 +13301,36 @@
           <a:chExt cx="0" cy="0"/>
         </a:xfrm>
       </p:grpSpPr>
+      <p:pic>
+        <p:nvPicPr>
+          <p:cNvPr id="14" name="Picture 13">
+            <a:extLst>
+              <a:ext uri="{FF2B5EF4-FFF2-40B4-BE49-F238E27FC236}">
+                <a16:creationId xmlns:a16="http://schemas.microsoft.com/office/drawing/2014/main" id="{5C1F33CA-DF9E-4B4B-85C0-F247BDF33780}"/>
+              </a:ext>
+            </a:extLst>
+          </p:cNvPr>
+          <p:cNvPicPr>
+            <a:picLocks noChangeAspect="1"/>
+          </p:cNvPicPr>
+          <p:nvPr/>
+        </p:nvPicPr>
+        <p:blipFill>
+          <a:blip r:embed="rId3"/>
+          <a:stretch>
+            <a:fillRect/>
+          </a:stretch>
+        </p:blipFill>
+        <p:spPr>
+          <a:xfrm>
+            <a:off x="4002832" y="3805086"/>
+            <a:ext cx="642937" cy="642937"/>
+          </a:xfrm>
+          <a:prstGeom prst="rect">
+            <a:avLst/>
+          </a:prstGeom>
+        </p:spPr>
+      </p:pic>
       <p:sp>
         <p:nvSpPr>
           <p:cNvPr id="2" name="Title 1">
@@ -13345,7 +13375,12 @@
             <p:ph type="sldNum" sz="quarter" idx="12"/>
           </p:nvPr>
         </p:nvSpPr>
-        <p:spPr/>
+        <p:spPr>
+          <a:xfrm>
+            <a:off x="9072887" y="6480000"/>
+            <a:ext cx="2400313" cy="180000"/>
+          </a:xfrm>
+        </p:spPr>
         <p:txBody>
           <a:bodyPr/>
           <a:lstStyle/>
@@ -13376,8 +13411,8 @@
         </p:nvSpPr>
         <p:spPr>
           <a:xfrm>
-            <a:off x="720000" y="1547446"/>
-            <a:ext cx="10753200" cy="1477328"/>
+            <a:off x="720000" y="1252171"/>
+            <a:ext cx="10753200" cy="2585323"/>
           </a:xfrm>
           <a:prstGeom prst="rect">
             <a:avLst/>
@@ -13395,10 +13430,9 @@
               <a:buChar char="•"/>
             </a:pPr>
             <a:r>
-              <a:rPr lang="en-AU" dirty="0" err="1"/>
-              <a:t>Snakemake</a:t>
-            </a:r>
-            <a:endParaRPr lang="en-AU" dirty="0"/>
+              <a:rPr lang="en-AU" dirty="0"/>
+              <a:t>Hands-on resources:</a:t>
+            </a:r>
           </a:p>
           <a:p>
             <a:pPr marL="742950" lvl="1" indent="-285750">
@@ -13407,13 +13441,13 @@
             </a:pPr>
             <a:r>
               <a:rPr lang="en-AU" dirty="0"/>
-              <a:t>Documentation: </a:t>
+              <a:t>PowerPoint:	</a:t>
             </a:r>
             <a:r>
               <a:rPr lang="en-AU" dirty="0">
-                <a:hlinkClick r:id="rId3"/>
-              </a:rPr>
-              <a:t>https://snakemake.readthedocs.io/</a:t>
+                <a:hlinkClick r:id="rId4"/>
+              </a:rPr>
+              <a:t>https://bit.ly/sagc-snakemake-ppt</a:t>
             </a:r>
             <a:endParaRPr lang="en-AU" dirty="0"/>
           </a:p>
@@ -13424,13 +13458,24 @@
             </a:pPr>
             <a:r>
               <a:rPr lang="en-AU" dirty="0"/>
-              <a:t>Wrappers: </a:t>
+              <a:t>Handout:		</a:t>
             </a:r>
             <a:r>
               <a:rPr lang="en-AU" dirty="0">
-                <a:hlinkClick r:id="rId4"/>
-              </a:rPr>
-              <a:t>https://snakemake-wrappers.readthedocs.io/</a:t>
+                <a:hlinkClick r:id="rId5"/>
+              </a:rPr>
+              <a:t>https://bit.ly/sagc-snakemake-pdf</a:t>
+            </a:r>
+            <a:endParaRPr lang="en-AU" dirty="0"/>
+          </a:p>
+          <a:p>
+            <a:pPr marL="285750" indent="-285750">
+              <a:buFont typeface="Arial" panose="020B0604020202020204" pitchFamily="34" charset="0"/>
+              <a:buChar char="•"/>
+            </a:pPr>
+            <a:r>
+              <a:rPr lang="en-AU" dirty="0" err="1"/>
+              <a:t>Snakemake</a:t>
             </a:r>
             <a:endParaRPr lang="en-AU" dirty="0"/>
           </a:p>
@@ -13441,11 +13486,47 @@
             </a:pPr>
             <a:r>
               <a:rPr lang="en-AU" dirty="0"/>
-              <a:t>Citation: </a:t>
+              <a:t>Documentation: </a:t>
             </a:r>
             <a:r>
               <a:rPr lang="en-AU" dirty="0">
-                <a:hlinkClick r:id="rId5"/>
+                <a:hlinkClick r:id="rId6"/>
+              </a:rPr>
+              <a:t>https://snakemake.readthedocs.io/</a:t>
+            </a:r>
+            <a:endParaRPr lang="en-AU" dirty="0"/>
+          </a:p>
+          <a:p>
+            <a:pPr marL="742950" lvl="1" indent="-285750">
+              <a:buFont typeface="Arial" panose="020B0604020202020204" pitchFamily="34" charset="0"/>
+              <a:buChar char="•"/>
+            </a:pPr>
+            <a:r>
+              <a:rPr lang="en-AU" dirty="0"/>
+              <a:t>Citations:</a:t>
+            </a:r>
+          </a:p>
+          <a:p>
+            <a:pPr marL="1200150" lvl="2" indent="-285750">
+              <a:buFont typeface="Arial" panose="020B0604020202020204" pitchFamily="34" charset="0"/>
+              <a:buChar char="•"/>
+            </a:pPr>
+            <a:r>
+              <a:rPr lang="en-AU" dirty="0">
+                <a:hlinkClick r:id="rId7"/>
+              </a:rPr>
+              <a:t>https://doi.org/10.12688/f1000research.29032.2</a:t>
+            </a:r>
+            <a:endParaRPr lang="en-AU" dirty="0"/>
+          </a:p>
+          <a:p>
+            <a:pPr marL="1200150" lvl="2" indent="-285750">
+              <a:buFont typeface="Arial" panose="020B0604020202020204" pitchFamily="34" charset="0"/>
+              <a:buChar char="•"/>
+            </a:pPr>
+            <a:r>
+              <a:rPr lang="en-AU" dirty="0">
+                <a:hlinkClick r:id="rId8"/>
               </a:rPr>
               <a:t>http://bioinformatics.oxfordjournals.org/content/28/19/2520</a:t>
             </a:r>
@@ -13457,6 +13538,869 @@
               <a:buChar char="•"/>
             </a:pPr>
             <a:endParaRPr lang="en-AU" dirty="0"/>
+          </a:p>
+        </p:txBody>
+      </p:sp>
+      <p:sp>
+        <p:nvSpPr>
+          <p:cNvPr id="3" name="Rectangle 2">
+            <a:extLst>
+              <a:ext uri="{FF2B5EF4-FFF2-40B4-BE49-F238E27FC236}">
+                <a16:creationId xmlns:a16="http://schemas.microsoft.com/office/drawing/2014/main" id="{10B61793-563E-43E0-919B-8754DF2465CF}"/>
+              </a:ext>
+            </a:extLst>
+          </p:cNvPr>
+          <p:cNvSpPr/>
+          <p:nvPr/>
+        </p:nvSpPr>
+        <p:spPr>
+          <a:xfrm>
+            <a:off x="3739396" y="4362523"/>
+            <a:ext cx="1169807" cy="307777"/>
+          </a:xfrm>
+          <a:prstGeom prst="rect">
+            <a:avLst/>
+          </a:prstGeom>
+        </p:spPr>
+        <p:txBody>
+          <a:bodyPr wrap="none">
+            <a:spAutoFit/>
+          </a:bodyPr>
+          <a:lstStyle/>
+          <a:p>
+            <a:r>
+              <a:rPr lang="en-GB" sz="1400" dirty="0"/>
+              <a:t>i3en.12xlarge</a:t>
+            </a:r>
+          </a:p>
+        </p:txBody>
+      </p:sp>
+      <p:sp>
+        <p:nvSpPr>
+          <p:cNvPr id="4" name="Rectangle 3">
+            <a:extLst>
+              <a:ext uri="{FF2B5EF4-FFF2-40B4-BE49-F238E27FC236}">
+                <a16:creationId xmlns:a16="http://schemas.microsoft.com/office/drawing/2014/main" id="{EA058BF2-DB72-463F-B64F-410234678784}"/>
+              </a:ext>
+            </a:extLst>
+          </p:cNvPr>
+          <p:cNvSpPr/>
+          <p:nvPr/>
+        </p:nvSpPr>
+        <p:spPr>
+          <a:xfrm>
+            <a:off x="1702253" y="5597009"/>
+            <a:ext cx="1059906" cy="307777"/>
+          </a:xfrm>
+          <a:prstGeom prst="rect">
+            <a:avLst/>
+          </a:prstGeom>
+        </p:spPr>
+        <p:txBody>
+          <a:bodyPr wrap="none">
+            <a:spAutoFit/>
+          </a:bodyPr>
+          <a:lstStyle/>
+          <a:p>
+            <a:r>
+              <a:rPr lang="en-GB" sz="1400" dirty="0">
+                <a:latin typeface="Arial" panose="020B0604020202020204" pitchFamily="34" charset="0"/>
+              </a:rPr>
+              <a:t>i3en.xlarge</a:t>
+            </a:r>
+            <a:endParaRPr lang="en-GB" sz="1400" dirty="0"/>
+          </a:p>
+        </p:txBody>
+      </p:sp>
+      <p:sp>
+        <p:nvSpPr>
+          <p:cNvPr id="6" name="Rectangle 5">
+            <a:extLst>
+              <a:ext uri="{FF2B5EF4-FFF2-40B4-BE49-F238E27FC236}">
+                <a16:creationId xmlns:a16="http://schemas.microsoft.com/office/drawing/2014/main" id="{1CF8FCA4-E036-40DE-8779-E325430C7304}"/>
+              </a:ext>
+            </a:extLst>
+          </p:cNvPr>
+          <p:cNvSpPr/>
+          <p:nvPr/>
+        </p:nvSpPr>
+        <p:spPr>
+          <a:xfrm>
+            <a:off x="7452352" y="3988054"/>
+            <a:ext cx="4497098" cy="276999"/>
+          </a:xfrm>
+          <a:prstGeom prst="rect">
+            <a:avLst/>
+          </a:prstGeom>
+        </p:spPr>
+        <p:txBody>
+          <a:bodyPr wrap="square">
+            <a:spAutoFit/>
+          </a:bodyPr>
+          <a:lstStyle/>
+          <a:p>
+            <a:r>
+              <a:rPr lang="en-GB" sz="1200" dirty="0">
+                <a:latin typeface="Arial" panose="020B0604020202020204" pitchFamily="34" charset="0"/>
+              </a:rPr>
+              <a:t>48 vCPU, 384G RAM and 4 x 7500 </a:t>
+            </a:r>
+            <a:r>
+              <a:rPr lang="en-GB" sz="1200" dirty="0" err="1">
+                <a:latin typeface="Arial" panose="020B0604020202020204" pitchFamily="34" charset="0"/>
+              </a:rPr>
+              <a:t>NVMe</a:t>
+            </a:r>
+            <a:r>
+              <a:rPr lang="en-GB" sz="1200" dirty="0">
+                <a:latin typeface="Arial" panose="020B0604020202020204" pitchFamily="34" charset="0"/>
+              </a:rPr>
+              <a:t> SSD</a:t>
+            </a:r>
+          </a:p>
+        </p:txBody>
+      </p:sp>
+      <p:sp>
+        <p:nvSpPr>
+          <p:cNvPr id="12" name="Rectangle 11">
+            <a:extLst>
+              <a:ext uri="{FF2B5EF4-FFF2-40B4-BE49-F238E27FC236}">
+                <a16:creationId xmlns:a16="http://schemas.microsoft.com/office/drawing/2014/main" id="{23F1B9CA-BF46-4BF0-A542-178238FB9E87}"/>
+              </a:ext>
+            </a:extLst>
+          </p:cNvPr>
+          <p:cNvSpPr/>
+          <p:nvPr/>
+        </p:nvSpPr>
+        <p:spPr>
+          <a:xfrm>
+            <a:off x="7452352" y="5190365"/>
+            <a:ext cx="4497098" cy="276999"/>
+          </a:xfrm>
+          <a:prstGeom prst="rect">
+            <a:avLst/>
+          </a:prstGeom>
+        </p:spPr>
+        <p:txBody>
+          <a:bodyPr wrap="square">
+            <a:spAutoFit/>
+          </a:bodyPr>
+          <a:lstStyle/>
+          <a:p>
+            <a:r>
+              <a:rPr lang="en-GB" sz="1200" dirty="0">
+                <a:latin typeface="Arial" panose="020B0604020202020204" pitchFamily="34" charset="0"/>
+              </a:rPr>
+              <a:t>4 vCPU, 32G RAM and 1 x 2500 </a:t>
+            </a:r>
+            <a:r>
+              <a:rPr lang="en-GB" sz="1200" dirty="0" err="1">
+                <a:latin typeface="Arial" panose="020B0604020202020204" pitchFamily="34" charset="0"/>
+              </a:rPr>
+              <a:t>NVMe</a:t>
+            </a:r>
+            <a:r>
+              <a:rPr lang="en-GB" sz="1200" dirty="0">
+                <a:latin typeface="Arial" panose="020B0604020202020204" pitchFamily="34" charset="0"/>
+              </a:rPr>
+              <a:t> SSD</a:t>
+            </a:r>
+          </a:p>
+        </p:txBody>
+      </p:sp>
+      <p:pic>
+        <p:nvPicPr>
+          <p:cNvPr id="15" name="Picture 14">
+            <a:extLst>
+              <a:ext uri="{FF2B5EF4-FFF2-40B4-BE49-F238E27FC236}">
+                <a16:creationId xmlns:a16="http://schemas.microsoft.com/office/drawing/2014/main" id="{24D286B1-38B6-465E-B064-185A343FE893}"/>
+              </a:ext>
+            </a:extLst>
+          </p:cNvPr>
+          <p:cNvPicPr>
+            <a:picLocks noChangeAspect="1"/>
+          </p:cNvPicPr>
+          <p:nvPr/>
+        </p:nvPicPr>
+        <p:blipFill>
+          <a:blip r:embed="rId3"/>
+          <a:stretch>
+            <a:fillRect/>
+          </a:stretch>
+        </p:blipFill>
+        <p:spPr>
+          <a:xfrm>
+            <a:off x="1910737" y="5035332"/>
+            <a:ext cx="642937" cy="642937"/>
+          </a:xfrm>
+          <a:prstGeom prst="rect">
+            <a:avLst/>
+          </a:prstGeom>
+        </p:spPr>
+      </p:pic>
+      <p:pic>
+        <p:nvPicPr>
+          <p:cNvPr id="16" name="Picture 15">
+            <a:extLst>
+              <a:ext uri="{FF2B5EF4-FFF2-40B4-BE49-F238E27FC236}">
+                <a16:creationId xmlns:a16="http://schemas.microsoft.com/office/drawing/2014/main" id="{C834B9C2-9369-4BD1-BC0C-D852375DDC3A}"/>
+              </a:ext>
+            </a:extLst>
+          </p:cNvPr>
+          <p:cNvPicPr>
+            <a:picLocks noChangeAspect="1"/>
+          </p:cNvPicPr>
+          <p:nvPr/>
+        </p:nvPicPr>
+        <p:blipFill>
+          <a:blip r:embed="rId3"/>
+          <a:stretch>
+            <a:fillRect/>
+          </a:stretch>
+        </p:blipFill>
+        <p:spPr>
+          <a:xfrm>
+            <a:off x="2860054" y="5035332"/>
+            <a:ext cx="642937" cy="642937"/>
+          </a:xfrm>
+          <a:prstGeom prst="rect">
+            <a:avLst/>
+          </a:prstGeom>
+        </p:spPr>
+      </p:pic>
+      <p:pic>
+        <p:nvPicPr>
+          <p:cNvPr id="17" name="Picture 16">
+            <a:extLst>
+              <a:ext uri="{FF2B5EF4-FFF2-40B4-BE49-F238E27FC236}">
+                <a16:creationId xmlns:a16="http://schemas.microsoft.com/office/drawing/2014/main" id="{1E15A587-288A-40DF-B15B-3291C31A4A18}"/>
+              </a:ext>
+            </a:extLst>
+          </p:cNvPr>
+          <p:cNvPicPr>
+            <a:picLocks noChangeAspect="1"/>
+          </p:cNvPicPr>
+          <p:nvPr/>
+        </p:nvPicPr>
+        <p:blipFill>
+          <a:blip r:embed="rId3"/>
+          <a:stretch>
+            <a:fillRect/>
+          </a:stretch>
+        </p:blipFill>
+        <p:spPr>
+          <a:xfrm>
+            <a:off x="3809371" y="5035332"/>
+            <a:ext cx="642937" cy="642937"/>
+          </a:xfrm>
+          <a:prstGeom prst="rect">
+            <a:avLst/>
+          </a:prstGeom>
+        </p:spPr>
+      </p:pic>
+      <p:pic>
+        <p:nvPicPr>
+          <p:cNvPr id="18" name="Picture 17">
+            <a:extLst>
+              <a:ext uri="{FF2B5EF4-FFF2-40B4-BE49-F238E27FC236}">
+                <a16:creationId xmlns:a16="http://schemas.microsoft.com/office/drawing/2014/main" id="{5DC2B58D-BA9E-4782-931B-56DFA9F18DDF}"/>
+              </a:ext>
+            </a:extLst>
+          </p:cNvPr>
+          <p:cNvPicPr>
+            <a:picLocks noChangeAspect="1"/>
+          </p:cNvPicPr>
+          <p:nvPr/>
+        </p:nvPicPr>
+        <p:blipFill>
+          <a:blip r:embed="rId3"/>
+          <a:stretch>
+            <a:fillRect/>
+          </a:stretch>
+        </p:blipFill>
+        <p:spPr>
+          <a:xfrm>
+            <a:off x="4758688" y="5035332"/>
+            <a:ext cx="642937" cy="642937"/>
+          </a:xfrm>
+          <a:prstGeom prst="rect">
+            <a:avLst/>
+          </a:prstGeom>
+        </p:spPr>
+      </p:pic>
+      <p:pic>
+        <p:nvPicPr>
+          <p:cNvPr id="19" name="Picture 18">
+            <a:extLst>
+              <a:ext uri="{FF2B5EF4-FFF2-40B4-BE49-F238E27FC236}">
+                <a16:creationId xmlns:a16="http://schemas.microsoft.com/office/drawing/2014/main" id="{E06DD515-D59C-4B4E-B4FB-CCCD1434C17C}"/>
+              </a:ext>
+            </a:extLst>
+          </p:cNvPr>
+          <p:cNvPicPr>
+            <a:picLocks noChangeAspect="1"/>
+          </p:cNvPicPr>
+          <p:nvPr/>
+        </p:nvPicPr>
+        <p:blipFill>
+          <a:blip r:embed="rId3"/>
+          <a:stretch>
+            <a:fillRect/>
+          </a:stretch>
+        </p:blipFill>
+        <p:spPr>
+          <a:xfrm>
+            <a:off x="5708005" y="5035332"/>
+            <a:ext cx="642937" cy="642937"/>
+          </a:xfrm>
+          <a:prstGeom prst="rect">
+            <a:avLst/>
+          </a:prstGeom>
+        </p:spPr>
+      </p:pic>
+      <p:pic>
+        <p:nvPicPr>
+          <p:cNvPr id="20" name="Picture 19">
+            <a:extLst>
+              <a:ext uri="{FF2B5EF4-FFF2-40B4-BE49-F238E27FC236}">
+                <a16:creationId xmlns:a16="http://schemas.microsoft.com/office/drawing/2014/main" id="{AB7C6E6A-DC53-4D47-8C6C-DEB401BAC0D9}"/>
+              </a:ext>
+            </a:extLst>
+          </p:cNvPr>
+          <p:cNvPicPr>
+            <a:picLocks noChangeAspect="1"/>
+          </p:cNvPicPr>
+          <p:nvPr/>
+        </p:nvPicPr>
+        <p:blipFill>
+          <a:blip r:embed="rId3"/>
+          <a:stretch>
+            <a:fillRect/>
+          </a:stretch>
+        </p:blipFill>
+        <p:spPr>
+          <a:xfrm>
+            <a:off x="6657320" y="5035332"/>
+            <a:ext cx="642937" cy="642937"/>
+          </a:xfrm>
+          <a:prstGeom prst="rect">
+            <a:avLst/>
+          </a:prstGeom>
+        </p:spPr>
+      </p:pic>
+      <p:sp>
+        <p:nvSpPr>
+          <p:cNvPr id="21" name="Rectangle 20">
+            <a:extLst>
+              <a:ext uri="{FF2B5EF4-FFF2-40B4-BE49-F238E27FC236}">
+                <a16:creationId xmlns:a16="http://schemas.microsoft.com/office/drawing/2014/main" id="{0BEE0824-E7B2-450E-91FE-A8052D2366CF}"/>
+              </a:ext>
+            </a:extLst>
+          </p:cNvPr>
+          <p:cNvSpPr/>
+          <p:nvPr/>
+        </p:nvSpPr>
+        <p:spPr>
+          <a:xfrm>
+            <a:off x="3560309" y="3524098"/>
+            <a:ext cx="1527982" cy="369332"/>
+          </a:xfrm>
+          <a:prstGeom prst="rect">
+            <a:avLst/>
+          </a:prstGeom>
+        </p:spPr>
+        <p:txBody>
+          <a:bodyPr wrap="none">
+            <a:spAutoFit/>
+          </a:bodyPr>
+          <a:lstStyle/>
+          <a:p>
+            <a:r>
+              <a:rPr lang="en-AU" dirty="0"/>
+              <a:t>13.211.204.25</a:t>
+            </a:r>
+            <a:endParaRPr lang="en-GB" dirty="0"/>
+          </a:p>
+        </p:txBody>
+      </p:sp>
+      <p:cxnSp>
+        <p:nvCxnSpPr>
+          <p:cNvPr id="23" name="Connector: Elbow 22">
+            <a:extLst>
+              <a:ext uri="{FF2B5EF4-FFF2-40B4-BE49-F238E27FC236}">
+                <a16:creationId xmlns:a16="http://schemas.microsoft.com/office/drawing/2014/main" id="{6D6797C0-3FAB-485E-B690-AB1C69F14BBE}"/>
+              </a:ext>
+            </a:extLst>
+          </p:cNvPr>
+          <p:cNvCxnSpPr>
+            <a:stCxn id="3" idx="2"/>
+            <a:endCxn id="15" idx="0"/>
+          </p:cNvCxnSpPr>
+          <p:nvPr/>
+        </p:nvCxnSpPr>
+        <p:spPr>
+          <a:xfrm rot="5400000">
+            <a:off x="3095737" y="3806769"/>
+            <a:ext cx="365032" cy="2092094"/>
+          </a:xfrm>
+          <a:prstGeom prst="bentConnector3">
+            <a:avLst/>
+          </a:prstGeom>
+        </p:spPr>
+        <p:style>
+          <a:lnRef idx="1">
+            <a:schemeClr val="accent1"/>
+          </a:lnRef>
+          <a:fillRef idx="0">
+            <a:schemeClr val="accent1"/>
+          </a:fillRef>
+          <a:effectRef idx="0">
+            <a:schemeClr val="accent1"/>
+          </a:effectRef>
+          <a:fontRef idx="minor">
+            <a:schemeClr val="tx1"/>
+          </a:fontRef>
+        </p:style>
+      </p:cxnSp>
+      <p:cxnSp>
+        <p:nvCxnSpPr>
+          <p:cNvPr id="24" name="Connector: Elbow 23">
+            <a:extLst>
+              <a:ext uri="{FF2B5EF4-FFF2-40B4-BE49-F238E27FC236}">
+                <a16:creationId xmlns:a16="http://schemas.microsoft.com/office/drawing/2014/main" id="{73D4383C-6777-4302-9489-C7892384DB78}"/>
+              </a:ext>
+            </a:extLst>
+          </p:cNvPr>
+          <p:cNvCxnSpPr>
+            <a:cxnSpLocks/>
+            <a:stCxn id="3" idx="2"/>
+            <a:endCxn id="16" idx="0"/>
+          </p:cNvCxnSpPr>
+          <p:nvPr/>
+        </p:nvCxnSpPr>
+        <p:spPr>
+          <a:xfrm rot="5400000">
+            <a:off x="3570396" y="4281428"/>
+            <a:ext cx="365032" cy="1142777"/>
+          </a:xfrm>
+          <a:prstGeom prst="bentConnector3">
+            <a:avLst>
+              <a:gd name="adj1" fmla="val 50000"/>
+            </a:avLst>
+          </a:prstGeom>
+        </p:spPr>
+        <p:style>
+          <a:lnRef idx="1">
+            <a:schemeClr val="accent1"/>
+          </a:lnRef>
+          <a:fillRef idx="0">
+            <a:schemeClr val="accent1"/>
+          </a:fillRef>
+          <a:effectRef idx="0">
+            <a:schemeClr val="accent1"/>
+          </a:effectRef>
+          <a:fontRef idx="minor">
+            <a:schemeClr val="tx1"/>
+          </a:fontRef>
+        </p:style>
+      </p:cxnSp>
+      <p:cxnSp>
+        <p:nvCxnSpPr>
+          <p:cNvPr id="27" name="Connector: Elbow 26">
+            <a:extLst>
+              <a:ext uri="{FF2B5EF4-FFF2-40B4-BE49-F238E27FC236}">
+                <a16:creationId xmlns:a16="http://schemas.microsoft.com/office/drawing/2014/main" id="{27767D95-926C-4388-BC00-EF2902A55A94}"/>
+              </a:ext>
+            </a:extLst>
+          </p:cNvPr>
+          <p:cNvCxnSpPr>
+            <a:cxnSpLocks/>
+            <a:stCxn id="3" idx="2"/>
+            <a:endCxn id="17" idx="0"/>
+          </p:cNvCxnSpPr>
+          <p:nvPr/>
+        </p:nvCxnSpPr>
+        <p:spPr>
+          <a:xfrm rot="5400000">
+            <a:off x="4045054" y="4756086"/>
+            <a:ext cx="365032" cy="193460"/>
+          </a:xfrm>
+          <a:prstGeom prst="bentConnector3">
+            <a:avLst>
+              <a:gd name="adj1" fmla="val 50000"/>
+            </a:avLst>
+          </a:prstGeom>
+        </p:spPr>
+        <p:style>
+          <a:lnRef idx="1">
+            <a:schemeClr val="accent1"/>
+          </a:lnRef>
+          <a:fillRef idx="0">
+            <a:schemeClr val="accent1"/>
+          </a:fillRef>
+          <a:effectRef idx="0">
+            <a:schemeClr val="accent1"/>
+          </a:effectRef>
+          <a:fontRef idx="minor">
+            <a:schemeClr val="tx1"/>
+          </a:fontRef>
+        </p:style>
+      </p:cxnSp>
+      <p:cxnSp>
+        <p:nvCxnSpPr>
+          <p:cNvPr id="30" name="Connector: Elbow 29">
+            <a:extLst>
+              <a:ext uri="{FF2B5EF4-FFF2-40B4-BE49-F238E27FC236}">
+                <a16:creationId xmlns:a16="http://schemas.microsoft.com/office/drawing/2014/main" id="{595D94C3-BB75-4D2E-85AA-0DB32C77531A}"/>
+              </a:ext>
+            </a:extLst>
+          </p:cNvPr>
+          <p:cNvCxnSpPr>
+            <a:cxnSpLocks/>
+            <a:stCxn id="3" idx="2"/>
+            <a:endCxn id="18" idx="0"/>
+          </p:cNvCxnSpPr>
+          <p:nvPr/>
+        </p:nvCxnSpPr>
+        <p:spPr>
+          <a:xfrm rot="16200000" flipH="1">
+            <a:off x="4519712" y="4474887"/>
+            <a:ext cx="365032" cy="755857"/>
+          </a:xfrm>
+          <a:prstGeom prst="bentConnector3">
+            <a:avLst>
+              <a:gd name="adj1" fmla="val 50000"/>
+            </a:avLst>
+          </a:prstGeom>
+        </p:spPr>
+        <p:style>
+          <a:lnRef idx="1">
+            <a:schemeClr val="accent1"/>
+          </a:lnRef>
+          <a:fillRef idx="0">
+            <a:schemeClr val="accent1"/>
+          </a:fillRef>
+          <a:effectRef idx="0">
+            <a:schemeClr val="accent1"/>
+          </a:effectRef>
+          <a:fontRef idx="minor">
+            <a:schemeClr val="tx1"/>
+          </a:fontRef>
+        </p:style>
+      </p:cxnSp>
+      <p:cxnSp>
+        <p:nvCxnSpPr>
+          <p:cNvPr id="33" name="Connector: Elbow 32">
+            <a:extLst>
+              <a:ext uri="{FF2B5EF4-FFF2-40B4-BE49-F238E27FC236}">
+                <a16:creationId xmlns:a16="http://schemas.microsoft.com/office/drawing/2014/main" id="{50AE2EFB-B12A-4A26-8A25-FC5A16030A06}"/>
+              </a:ext>
+            </a:extLst>
+          </p:cNvPr>
+          <p:cNvCxnSpPr>
+            <a:cxnSpLocks/>
+            <a:stCxn id="3" idx="2"/>
+            <a:endCxn id="19" idx="0"/>
+          </p:cNvCxnSpPr>
+          <p:nvPr/>
+        </p:nvCxnSpPr>
+        <p:spPr>
+          <a:xfrm rot="16200000" flipH="1">
+            <a:off x="4994371" y="4000229"/>
+            <a:ext cx="365032" cy="1705174"/>
+          </a:xfrm>
+          <a:prstGeom prst="bentConnector3">
+            <a:avLst>
+              <a:gd name="adj1" fmla="val 50000"/>
+            </a:avLst>
+          </a:prstGeom>
+        </p:spPr>
+        <p:style>
+          <a:lnRef idx="1">
+            <a:schemeClr val="accent1"/>
+          </a:lnRef>
+          <a:fillRef idx="0">
+            <a:schemeClr val="accent1"/>
+          </a:fillRef>
+          <a:effectRef idx="0">
+            <a:schemeClr val="accent1"/>
+          </a:effectRef>
+          <a:fontRef idx="minor">
+            <a:schemeClr val="tx1"/>
+          </a:fontRef>
+        </p:style>
+      </p:cxnSp>
+      <p:cxnSp>
+        <p:nvCxnSpPr>
+          <p:cNvPr id="36" name="Connector: Elbow 35">
+            <a:extLst>
+              <a:ext uri="{FF2B5EF4-FFF2-40B4-BE49-F238E27FC236}">
+                <a16:creationId xmlns:a16="http://schemas.microsoft.com/office/drawing/2014/main" id="{30EE36A3-E957-4578-9481-E63299AAE100}"/>
+              </a:ext>
+            </a:extLst>
+          </p:cNvPr>
+          <p:cNvCxnSpPr>
+            <a:cxnSpLocks/>
+            <a:stCxn id="3" idx="2"/>
+            <a:endCxn id="20" idx="0"/>
+          </p:cNvCxnSpPr>
+          <p:nvPr/>
+        </p:nvCxnSpPr>
+        <p:spPr>
+          <a:xfrm rot="16200000" flipH="1">
+            <a:off x="5469028" y="3525571"/>
+            <a:ext cx="365032" cy="2654489"/>
+          </a:xfrm>
+          <a:prstGeom prst="bentConnector3">
+            <a:avLst>
+              <a:gd name="adj1" fmla="val 50000"/>
+            </a:avLst>
+          </a:prstGeom>
+        </p:spPr>
+        <p:style>
+          <a:lnRef idx="1">
+            <a:schemeClr val="accent1"/>
+          </a:lnRef>
+          <a:fillRef idx="0">
+            <a:schemeClr val="accent1"/>
+          </a:fillRef>
+          <a:effectRef idx="0">
+            <a:schemeClr val="accent1"/>
+          </a:effectRef>
+          <a:fontRef idx="minor">
+            <a:schemeClr val="tx1"/>
+          </a:fontRef>
+        </p:style>
+      </p:cxnSp>
+      <p:pic>
+        <p:nvPicPr>
+          <p:cNvPr id="40" name="Picture 39">
+            <a:extLst>
+              <a:ext uri="{FF2B5EF4-FFF2-40B4-BE49-F238E27FC236}">
+                <a16:creationId xmlns:a16="http://schemas.microsoft.com/office/drawing/2014/main" id="{A9D9FE93-EB93-4144-B54C-5AEE109D87C5}"/>
+              </a:ext>
+            </a:extLst>
+          </p:cNvPr>
+          <p:cNvPicPr>
+            <a:picLocks noChangeAspect="1"/>
+          </p:cNvPicPr>
+          <p:nvPr/>
+        </p:nvPicPr>
+        <p:blipFill>
+          <a:blip r:embed="rId9"/>
+          <a:stretch>
+            <a:fillRect/>
+          </a:stretch>
+        </p:blipFill>
+        <p:spPr>
+          <a:xfrm>
+            <a:off x="784600" y="5054888"/>
+            <a:ext cx="547955" cy="547955"/>
+          </a:xfrm>
+          <a:prstGeom prst="rect">
+            <a:avLst/>
+          </a:prstGeom>
+        </p:spPr>
+      </p:pic>
+      <p:cxnSp>
+        <p:nvCxnSpPr>
+          <p:cNvPr id="41" name="Connector: Elbow 40">
+            <a:extLst>
+              <a:ext uri="{FF2B5EF4-FFF2-40B4-BE49-F238E27FC236}">
+                <a16:creationId xmlns:a16="http://schemas.microsoft.com/office/drawing/2014/main" id="{56B4E3B9-4769-4916-A6A5-612A1F75E4B5}"/>
+              </a:ext>
+            </a:extLst>
+          </p:cNvPr>
+          <p:cNvCxnSpPr>
+            <a:cxnSpLocks/>
+            <a:stCxn id="3" idx="2"/>
+            <a:endCxn id="40" idx="0"/>
+          </p:cNvCxnSpPr>
+          <p:nvPr/>
+        </p:nvCxnSpPr>
+        <p:spPr>
+          <a:xfrm rot="5400000">
+            <a:off x="2499145" y="3229733"/>
+            <a:ext cx="384588" cy="3265722"/>
+          </a:xfrm>
+          <a:prstGeom prst="bentConnector3">
+            <a:avLst>
+              <a:gd name="adj1" fmla="val 50000"/>
+            </a:avLst>
+          </a:prstGeom>
+        </p:spPr>
+        <p:style>
+          <a:lnRef idx="1">
+            <a:schemeClr val="accent1"/>
+          </a:lnRef>
+          <a:fillRef idx="0">
+            <a:schemeClr val="accent1"/>
+          </a:fillRef>
+          <a:effectRef idx="0">
+            <a:schemeClr val="accent1"/>
+          </a:effectRef>
+          <a:fontRef idx="minor">
+            <a:schemeClr val="tx1"/>
+          </a:fontRef>
+        </p:style>
+      </p:cxnSp>
+      <p:sp>
+        <p:nvSpPr>
+          <p:cNvPr id="44" name="Rectangle 43">
+            <a:extLst>
+              <a:ext uri="{FF2B5EF4-FFF2-40B4-BE49-F238E27FC236}">
+                <a16:creationId xmlns:a16="http://schemas.microsoft.com/office/drawing/2014/main" id="{6766876B-3E94-46B4-B0FB-468CAB2FE262}"/>
+              </a:ext>
+            </a:extLst>
+          </p:cNvPr>
+          <p:cNvSpPr/>
+          <p:nvPr/>
+        </p:nvSpPr>
+        <p:spPr>
+          <a:xfrm>
+            <a:off x="672031" y="5887693"/>
+            <a:ext cx="764953" cy="276999"/>
+          </a:xfrm>
+          <a:prstGeom prst="rect">
+            <a:avLst/>
+          </a:prstGeom>
+        </p:spPr>
+        <p:txBody>
+          <a:bodyPr wrap="none">
+            <a:spAutoFit/>
+          </a:bodyPr>
+          <a:lstStyle/>
+          <a:p>
+            <a:r>
+              <a:rPr lang="en-GB" sz="1200" b="1" dirty="0">
+                <a:latin typeface="Arial" panose="020B0604020202020204" pitchFamily="34" charset="0"/>
+                <a:cs typeface="Arial" panose="020B0604020202020204" pitchFamily="34" charset="0"/>
+              </a:rPr>
+              <a:t>0.835/hr</a:t>
+            </a:r>
+          </a:p>
+        </p:txBody>
+      </p:sp>
+      <p:sp>
+        <p:nvSpPr>
+          <p:cNvPr id="48" name="Rectangle 47">
+            <a:extLst>
+              <a:ext uri="{FF2B5EF4-FFF2-40B4-BE49-F238E27FC236}">
+                <a16:creationId xmlns:a16="http://schemas.microsoft.com/office/drawing/2014/main" id="{52E6E19F-E8DA-48E3-A863-1CDF5332E808}"/>
+              </a:ext>
+            </a:extLst>
+          </p:cNvPr>
+          <p:cNvSpPr/>
+          <p:nvPr/>
+        </p:nvSpPr>
+        <p:spPr>
+          <a:xfrm>
+            <a:off x="575143" y="5587632"/>
+            <a:ext cx="966868" cy="307777"/>
+          </a:xfrm>
+          <a:prstGeom prst="rect">
+            <a:avLst/>
+          </a:prstGeom>
+        </p:spPr>
+        <p:txBody>
+          <a:bodyPr wrap="none">
+            <a:spAutoFit/>
+          </a:bodyPr>
+          <a:lstStyle/>
+          <a:p>
+            <a:r>
+              <a:rPr lang="en-GB" sz="1400" dirty="0">
+                <a:latin typeface="Arial" panose="020B0604020202020204" pitchFamily="34" charset="0"/>
+              </a:rPr>
+              <a:t>12 </a:t>
+            </a:r>
+            <a:r>
+              <a:rPr lang="en-GB" sz="1400" dirty="0" err="1">
+                <a:latin typeface="Arial" panose="020B0604020202020204" pitchFamily="34" charset="0"/>
+              </a:rPr>
+              <a:t>Tbytes</a:t>
+            </a:r>
+            <a:endParaRPr lang="en-GB" sz="1400" dirty="0"/>
+          </a:p>
+        </p:txBody>
+      </p:sp>
+      <p:sp>
+        <p:nvSpPr>
+          <p:cNvPr id="56" name="Rectangle 55">
+            <a:extLst>
+              <a:ext uri="{FF2B5EF4-FFF2-40B4-BE49-F238E27FC236}">
+                <a16:creationId xmlns:a16="http://schemas.microsoft.com/office/drawing/2014/main" id="{A408490E-9822-4870-B9A4-C8722A15AE9E}"/>
+              </a:ext>
+            </a:extLst>
+          </p:cNvPr>
+          <p:cNvSpPr/>
+          <p:nvPr/>
+        </p:nvSpPr>
+        <p:spPr>
+          <a:xfrm>
+            <a:off x="4645769" y="4018624"/>
+            <a:ext cx="849913" cy="276999"/>
+          </a:xfrm>
+          <a:prstGeom prst="rect">
+            <a:avLst/>
+          </a:prstGeom>
+        </p:spPr>
+        <p:txBody>
+          <a:bodyPr wrap="none">
+            <a:spAutoFit/>
+          </a:bodyPr>
+          <a:lstStyle/>
+          <a:p>
+            <a:r>
+              <a:rPr lang="en-GB" sz="1200" b="1" dirty="0">
+                <a:latin typeface="Arial" panose="020B0604020202020204" pitchFamily="34" charset="0"/>
+              </a:rPr>
+              <a:t>$6.504/hr</a:t>
+            </a:r>
+            <a:endParaRPr lang="en-GB" sz="1200" b="1" dirty="0"/>
+          </a:p>
+        </p:txBody>
+      </p:sp>
+      <p:sp>
+        <p:nvSpPr>
+          <p:cNvPr id="57" name="Rectangle 56">
+            <a:extLst>
+              <a:ext uri="{FF2B5EF4-FFF2-40B4-BE49-F238E27FC236}">
+                <a16:creationId xmlns:a16="http://schemas.microsoft.com/office/drawing/2014/main" id="{E4BBEFD8-72AA-41E0-ACDA-836450992D52}"/>
+              </a:ext>
+            </a:extLst>
+          </p:cNvPr>
+          <p:cNvSpPr/>
+          <p:nvPr/>
+        </p:nvSpPr>
+        <p:spPr>
+          <a:xfrm>
+            <a:off x="1702253" y="5897426"/>
+            <a:ext cx="1063112" cy="276999"/>
+          </a:xfrm>
+          <a:prstGeom prst="rect">
+            <a:avLst/>
+          </a:prstGeom>
+        </p:spPr>
+        <p:txBody>
+          <a:bodyPr wrap="none">
+            <a:spAutoFit/>
+          </a:bodyPr>
+          <a:lstStyle/>
+          <a:p>
+            <a:r>
+              <a:rPr lang="en-GB" sz="1200" b="1" dirty="0">
+                <a:latin typeface="Arial" panose="020B0604020202020204" pitchFamily="34" charset="0"/>
+              </a:rPr>
+              <a:t>$0.542/hr/</a:t>
+            </a:r>
+            <a:r>
+              <a:rPr lang="en-GB" sz="1200" b="1" dirty="0" err="1">
+                <a:latin typeface="Arial" panose="020B0604020202020204" pitchFamily="34" charset="0"/>
+              </a:rPr>
+              <a:t>ea</a:t>
+            </a:r>
+            <a:endParaRPr lang="en-GB" sz="1200" b="1" dirty="0"/>
           </a:p>
         </p:txBody>
       </p:sp>

--- a/Snakemake.pptx
+++ b/Snakemake.pptx
@@ -13674,8 +13674,8 @@
         </p:nvSpPr>
         <p:spPr>
           <a:xfrm>
-            <a:off x="7452352" y="5190365"/>
-            <a:ext cx="4497098" cy="276999"/>
+            <a:off x="7452352" y="5098032"/>
+            <a:ext cx="4497098" cy="461665"/>
           </a:xfrm>
           <a:prstGeom prst="rect">
             <a:avLst/>
@@ -13704,6 +13704,14 @@
                 <a:latin typeface="Arial" panose="020B0604020202020204" pitchFamily="34" charset="0"/>
               </a:rPr>
               <a:t> SSD</a:t>
+            </a:r>
+          </a:p>
+          <a:p>
+            <a:r>
+              <a:rPr lang="en-GB" sz="1200" dirty="0">
+                <a:latin typeface="Arial" panose="020B0604020202020204" pitchFamily="34" charset="0"/>
+              </a:rPr>
+              <a:t>Autoscaling: 0 – 6 nodes</a:t>
             </a:r>
           </a:p>
         </p:txBody>
@@ -13888,41 +13896,6 @@
           </a:prstGeom>
         </p:spPr>
       </p:pic>
-      <p:sp>
-        <p:nvSpPr>
-          <p:cNvPr id="21" name="Rectangle 20">
-            <a:extLst>
-              <a:ext uri="{FF2B5EF4-FFF2-40B4-BE49-F238E27FC236}">
-                <a16:creationId xmlns:a16="http://schemas.microsoft.com/office/drawing/2014/main" id="{0BEE0824-E7B2-450E-91FE-A8052D2366CF}"/>
-              </a:ext>
-            </a:extLst>
-          </p:cNvPr>
-          <p:cNvSpPr/>
-          <p:nvPr/>
-        </p:nvSpPr>
-        <p:spPr>
-          <a:xfrm>
-            <a:off x="3560309" y="3524098"/>
-            <a:ext cx="1527982" cy="369332"/>
-          </a:xfrm>
-          <a:prstGeom prst="rect">
-            <a:avLst/>
-          </a:prstGeom>
-        </p:spPr>
-        <p:txBody>
-          <a:bodyPr wrap="none">
-            <a:spAutoFit/>
-          </a:bodyPr>
-          <a:lstStyle/>
-          <a:p>
-            <a:r>
-              <a:rPr lang="en-AU" dirty="0"/>
-              <a:t>13.211.204.25</a:t>
-            </a:r>
-            <a:endParaRPr lang="en-GB" dirty="0"/>
-          </a:p>
-        </p:txBody>
-      </p:sp>
       <p:cxnSp>
         <p:nvCxnSpPr>
           <p:cNvPr id="23" name="Connector: Elbow 22">
@@ -14194,7 +14167,7 @@
         </p:blipFill>
         <p:spPr>
           <a:xfrm>
-            <a:off x="784600" y="5054888"/>
+            <a:off x="784600" y="5035332"/>
             <a:ext cx="547955" cy="547955"/>
           </a:xfrm>
           <a:prstGeom prst="rect">
@@ -14220,8 +14193,8 @@
         </p:nvCxnSpPr>
         <p:spPr>
           <a:xfrm rot="5400000">
-            <a:off x="2499145" y="3229733"/>
-            <a:ext cx="384588" cy="3265722"/>
+            <a:off x="2508923" y="3219955"/>
+            <a:ext cx="365032" cy="3265722"/>
           </a:xfrm>
           <a:prstGeom prst="bentConnector3">
             <a:avLst>
@@ -14399,6 +14372,43 @@
                 <a:latin typeface="Arial" panose="020B0604020202020204" pitchFamily="34" charset="0"/>
               </a:rPr>
               <a:t>ea</a:t>
+            </a:r>
+            <a:endParaRPr lang="en-GB" sz="1200" b="1" dirty="0"/>
+          </a:p>
+        </p:txBody>
+      </p:sp>
+      <p:sp>
+        <p:nvSpPr>
+          <p:cNvPr id="29" name="Rectangle 28">
+            <a:extLst>
+              <a:ext uri="{FF2B5EF4-FFF2-40B4-BE49-F238E27FC236}">
+                <a16:creationId xmlns:a16="http://schemas.microsoft.com/office/drawing/2014/main" id="{521D6D0B-E794-44C2-BDA0-AAE47434A517}"/>
+              </a:ext>
+            </a:extLst>
+          </p:cNvPr>
+          <p:cNvSpPr/>
+          <p:nvPr/>
+        </p:nvSpPr>
+        <p:spPr>
+          <a:xfrm>
+            <a:off x="7472352" y="5904786"/>
+            <a:ext cx="2310056" cy="276999"/>
+          </a:xfrm>
+          <a:prstGeom prst="rect">
+            <a:avLst/>
+          </a:prstGeom>
+        </p:spPr>
+        <p:txBody>
+          <a:bodyPr wrap="none">
+            <a:spAutoFit/>
+          </a:bodyPr>
+          <a:lstStyle/>
+          <a:p>
+            <a:r>
+              <a:rPr lang="en-GB" sz="1200" b="1" dirty="0">
+                <a:latin typeface="Arial" panose="020B0604020202020204" pitchFamily="34" charset="0"/>
+              </a:rPr>
+              <a:t>Total cost: $7.339 - 10.591/hr</a:t>
             </a:r>
             <a:endParaRPr lang="en-GB" sz="1200" b="1" dirty="0"/>
           </a:p>
